--- a/presentation/presentation.pptx
+++ b/presentation/presentation.pptx
@@ -9487,8 +9487,8 @@
         </p:blipFill>
         <p:spPr>
           <a:xfrm>
-            <a:off x="0" y="1457325"/>
-            <a:ext cx="9144001" cy="2228850"/>
+            <a:off x="0" y="1356326"/>
+            <a:ext cx="9143999" cy="1905125"/>
           </a:xfrm>
           <a:prstGeom prst="rect">
             <a:avLst/>
